--- a/關鍵字搜尋.pptx
+++ b/關鍵字搜尋.pptx
@@ -106,7 +106,41 @@
       </a:defRPr>
     </a:lvl9pPr>
   </p:defaultTextStyle>
+  <p:extLst>
+    <p:ext uri="{EFAFB233-063F-42B5-8137-9DF3F51BA10A}">
+      <p15:sldGuideLst xmlns:p15="http://schemas.microsoft.com/office/powerpoint/2012/main"/>
+    </p:ext>
+  </p:extLst>
 </p:presentation>
+</file>
+
+<file path=ppt/changesInfos/changesInfo1.xml><?xml version="1.0" encoding="utf-8"?>
+<pc:chgInfo xmlns:a="http://schemas.openxmlformats.org/drawingml/2006/main" xmlns:r="http://schemas.openxmlformats.org/officeDocument/2006/relationships" xmlns:ac="http://schemas.microsoft.com/office/drawing/2013/main/command" xmlns:pc="http://schemas.microsoft.com/office/powerpoint/2013/main/command">
+  <pc:docChgLst>
+    <pc:chgData name="致汎 郭" userId="704077e5706ada2f" providerId="LiveId" clId="{1FE56872-BCBF-4E60-A057-D8BE29D08EBE}"/>
+    <pc:docChg chg="modSld">
+      <pc:chgData name="致汎 郭" userId="704077e5706ada2f" providerId="LiveId" clId="{1FE56872-BCBF-4E60-A057-D8BE29D08EBE}" dt="2022-05-15T09:52:42.979" v="1" actId="14100"/>
+      <pc:docMkLst>
+        <pc:docMk/>
+      </pc:docMkLst>
+      <pc:sldChg chg="modSp mod">
+        <pc:chgData name="致汎 郭" userId="704077e5706ada2f" providerId="LiveId" clId="{1FE56872-BCBF-4E60-A057-D8BE29D08EBE}" dt="2022-05-15T09:52:42.979" v="1" actId="14100"/>
+        <pc:sldMkLst>
+          <pc:docMk/>
+          <pc:sldMk cId="1156618098" sldId="257"/>
+        </pc:sldMkLst>
+        <pc:picChg chg="mod">
+          <ac:chgData name="致汎 郭" userId="704077e5706ada2f" providerId="LiveId" clId="{1FE56872-BCBF-4E60-A057-D8BE29D08EBE}" dt="2022-05-15T09:52:42.979" v="1" actId="14100"/>
+          <ac:picMkLst>
+            <pc:docMk/>
+            <pc:sldMk cId="1156618098" sldId="257"/>
+            <ac:picMk id="4" creationId="{34FBECA3-D0EB-4987-A28A-ADFE46C9E36A}"/>
+          </ac:picMkLst>
+        </pc:picChg>
+      </pc:sldChg>
+    </pc:docChg>
+  </pc:docChgLst>
+</pc:chgInfo>
 </file>
 
 <file path=ppt/slideLayouts/slideLayout1.xml><?xml version="1.0" encoding="utf-8"?>
@@ -256,7 +290,7 @@
           <a:p>
             <a:fld id="{98B9C288-DA36-454F-891A-DFA99FBCC6EB}" type="datetimeFigureOut">
               <a:rPr lang="zh-TW" altLang="en-US" smtClean="0"/>
-              <a:t>2022/5/13</a:t>
+              <a:t>2022/5/15</a:t>
             </a:fld>
             <a:endParaRPr lang="zh-TW" altLang="en-US"/>
           </a:p>
@@ -454,7 +488,7 @@
           <a:p>
             <a:fld id="{98B9C288-DA36-454F-891A-DFA99FBCC6EB}" type="datetimeFigureOut">
               <a:rPr lang="zh-TW" altLang="en-US" smtClean="0"/>
-              <a:t>2022/5/13</a:t>
+              <a:t>2022/5/15</a:t>
             </a:fld>
             <a:endParaRPr lang="zh-TW" altLang="en-US"/>
           </a:p>
@@ -662,7 +696,7 @@
           <a:p>
             <a:fld id="{98B9C288-DA36-454F-891A-DFA99FBCC6EB}" type="datetimeFigureOut">
               <a:rPr lang="zh-TW" altLang="en-US" smtClean="0"/>
-              <a:t>2022/5/13</a:t>
+              <a:t>2022/5/15</a:t>
             </a:fld>
             <a:endParaRPr lang="zh-TW" altLang="en-US"/>
           </a:p>
@@ -860,7 +894,7 @@
           <a:p>
             <a:fld id="{98B9C288-DA36-454F-891A-DFA99FBCC6EB}" type="datetimeFigureOut">
               <a:rPr lang="zh-TW" altLang="en-US" smtClean="0"/>
-              <a:t>2022/5/13</a:t>
+              <a:t>2022/5/15</a:t>
             </a:fld>
             <a:endParaRPr lang="zh-TW" altLang="en-US"/>
           </a:p>
@@ -1135,7 +1169,7 @@
           <a:p>
             <a:fld id="{98B9C288-DA36-454F-891A-DFA99FBCC6EB}" type="datetimeFigureOut">
               <a:rPr lang="zh-TW" altLang="en-US" smtClean="0"/>
-              <a:t>2022/5/13</a:t>
+              <a:t>2022/5/15</a:t>
             </a:fld>
             <a:endParaRPr lang="zh-TW" altLang="en-US"/>
           </a:p>
@@ -1400,7 +1434,7 @@
           <a:p>
             <a:fld id="{98B9C288-DA36-454F-891A-DFA99FBCC6EB}" type="datetimeFigureOut">
               <a:rPr lang="zh-TW" altLang="en-US" smtClean="0"/>
-              <a:t>2022/5/13</a:t>
+              <a:t>2022/5/15</a:t>
             </a:fld>
             <a:endParaRPr lang="zh-TW" altLang="en-US"/>
           </a:p>
@@ -1812,7 +1846,7 @@
           <a:p>
             <a:fld id="{98B9C288-DA36-454F-891A-DFA99FBCC6EB}" type="datetimeFigureOut">
               <a:rPr lang="zh-TW" altLang="en-US" smtClean="0"/>
-              <a:t>2022/5/13</a:t>
+              <a:t>2022/5/15</a:t>
             </a:fld>
             <a:endParaRPr lang="zh-TW" altLang="en-US"/>
           </a:p>
@@ -1953,7 +1987,7 @@
           <a:p>
             <a:fld id="{98B9C288-DA36-454F-891A-DFA99FBCC6EB}" type="datetimeFigureOut">
               <a:rPr lang="zh-TW" altLang="en-US" smtClean="0"/>
-              <a:t>2022/5/13</a:t>
+              <a:t>2022/5/15</a:t>
             </a:fld>
             <a:endParaRPr lang="zh-TW" altLang="en-US"/>
           </a:p>
@@ -2066,7 +2100,7 @@
           <a:p>
             <a:fld id="{98B9C288-DA36-454F-891A-DFA99FBCC6EB}" type="datetimeFigureOut">
               <a:rPr lang="zh-TW" altLang="en-US" smtClean="0"/>
-              <a:t>2022/5/13</a:t>
+              <a:t>2022/5/15</a:t>
             </a:fld>
             <a:endParaRPr lang="zh-TW" altLang="en-US"/>
           </a:p>
@@ -2377,7 +2411,7 @@
           <a:p>
             <a:fld id="{98B9C288-DA36-454F-891A-DFA99FBCC6EB}" type="datetimeFigureOut">
               <a:rPr lang="zh-TW" altLang="en-US" smtClean="0"/>
-              <a:t>2022/5/13</a:t>
+              <a:t>2022/5/15</a:t>
             </a:fld>
             <a:endParaRPr lang="zh-TW" altLang="en-US"/>
           </a:p>
@@ -2665,7 +2699,7 @@
           <a:p>
             <a:fld id="{98B9C288-DA36-454F-891A-DFA99FBCC6EB}" type="datetimeFigureOut">
               <a:rPr lang="zh-TW" altLang="en-US" smtClean="0"/>
-              <a:t>2022/5/13</a:t>
+              <a:t>2022/5/15</a:t>
             </a:fld>
             <a:endParaRPr lang="zh-TW" altLang="en-US"/>
           </a:p>
@@ -2906,7 +2940,7 @@
           <a:p>
             <a:fld id="{98B9C288-DA36-454F-891A-DFA99FBCC6EB}" type="datetimeFigureOut">
               <a:rPr lang="zh-TW" altLang="en-US" smtClean="0"/>
-              <a:t>2022/5/13</a:t>
+              <a:t>2022/5/15</a:t>
             </a:fld>
             <a:endParaRPr lang="zh-TW" altLang="en-US"/>
           </a:p>
@@ -3627,8 +3661,8 @@
         </p:blipFill>
         <p:spPr>
           <a:xfrm>
-            <a:off x="2626824" y="2405149"/>
-            <a:ext cx="6932255" cy="3899393"/>
+            <a:off x="370688" y="1136073"/>
+            <a:ext cx="11225567" cy="6314380"/>
           </a:xfrm>
           <a:prstGeom prst="rect">
             <a:avLst/>
